--- a/figure/Autoware/system_model.pptx
+++ b/figure/Autoware/system_model.pptx
@@ -1012,7 +1012,7 @@
           <a:p>
             <a:fld id="{E90ED720-0104-4369-84BC-D37694168613}" type="datetimeFigureOut">
               <a:rPr kumimoji="1" lang="ja-JP" altLang="en-US" smtClean="0"/>
-              <a:t>2018/1/10</a:t>
+              <a:t>2018/2/8</a:t>
             </a:fld>
             <a:endParaRPr kumimoji="1" lang="ja-JP" altLang="en-US"/>
           </a:p>
@@ -1214,7 +1214,7 @@
           <a:p>
             <a:fld id="{E90ED720-0104-4369-84BC-D37694168613}" type="datetimeFigureOut">
               <a:rPr kumimoji="1" lang="ja-JP" altLang="en-US" smtClean="0"/>
-              <a:t>2018/1/10</a:t>
+              <a:t>2018/2/8</a:t>
             </a:fld>
             <a:endParaRPr kumimoji="1" lang="ja-JP" altLang="en-US"/>
           </a:p>
@@ -1426,7 +1426,7 @@
           <a:p>
             <a:fld id="{E90ED720-0104-4369-84BC-D37694168613}" type="datetimeFigureOut">
               <a:rPr kumimoji="1" lang="ja-JP" altLang="en-US" smtClean="0"/>
-              <a:t>2018/1/10</a:t>
+              <a:t>2018/2/8</a:t>
             </a:fld>
             <a:endParaRPr kumimoji="1" lang="ja-JP" altLang="en-US"/>
           </a:p>
@@ -1628,7 +1628,7 @@
           <a:p>
             <a:fld id="{E90ED720-0104-4369-84BC-D37694168613}" type="datetimeFigureOut">
               <a:rPr kumimoji="1" lang="ja-JP" altLang="en-US" smtClean="0"/>
-              <a:t>2018/1/10</a:t>
+              <a:t>2018/2/8</a:t>
             </a:fld>
             <a:endParaRPr kumimoji="1" lang="ja-JP" altLang="en-US"/>
           </a:p>
@@ -1874,7 +1874,7 @@
           <a:p>
             <a:fld id="{E90ED720-0104-4369-84BC-D37694168613}" type="datetimeFigureOut">
               <a:rPr kumimoji="1" lang="ja-JP" altLang="en-US" smtClean="0"/>
-              <a:t>2018/1/10</a:t>
+              <a:t>2018/2/8</a:t>
             </a:fld>
             <a:endParaRPr kumimoji="1" lang="ja-JP" altLang="en-US"/>
           </a:p>
@@ -2226,7 +2226,7 @@
           <a:p>
             <a:fld id="{E90ED720-0104-4369-84BC-D37694168613}" type="datetimeFigureOut">
               <a:rPr kumimoji="1" lang="ja-JP" altLang="en-US" smtClean="0"/>
-              <a:t>2018/1/10</a:t>
+              <a:t>2018/2/8</a:t>
             </a:fld>
             <a:endParaRPr kumimoji="1" lang="ja-JP" altLang="en-US"/>
           </a:p>
@@ -2712,7 +2712,7 @@
           <a:p>
             <a:fld id="{E90ED720-0104-4369-84BC-D37694168613}" type="datetimeFigureOut">
               <a:rPr kumimoji="1" lang="ja-JP" altLang="en-US" smtClean="0"/>
-              <a:t>2018/1/10</a:t>
+              <a:t>2018/2/8</a:t>
             </a:fld>
             <a:endParaRPr kumimoji="1" lang="ja-JP" altLang="en-US"/>
           </a:p>
@@ -2830,7 +2830,7 @@
           <a:p>
             <a:fld id="{E90ED720-0104-4369-84BC-D37694168613}" type="datetimeFigureOut">
               <a:rPr kumimoji="1" lang="ja-JP" altLang="en-US" smtClean="0"/>
-              <a:t>2018/1/10</a:t>
+              <a:t>2018/2/8</a:t>
             </a:fld>
             <a:endParaRPr kumimoji="1" lang="ja-JP" altLang="en-US"/>
           </a:p>
@@ -2925,7 +2925,7 @@
           <a:p>
             <a:fld id="{E90ED720-0104-4369-84BC-D37694168613}" type="datetimeFigureOut">
               <a:rPr kumimoji="1" lang="ja-JP" altLang="en-US" smtClean="0"/>
-              <a:t>2018/1/10</a:t>
+              <a:t>2018/2/8</a:t>
             </a:fld>
             <a:endParaRPr kumimoji="1" lang="ja-JP" altLang="en-US"/>
           </a:p>
@@ -3234,7 +3234,7 @@
           <a:p>
             <a:fld id="{E90ED720-0104-4369-84BC-D37694168613}" type="datetimeFigureOut">
               <a:rPr kumimoji="1" lang="ja-JP" altLang="en-US" smtClean="0"/>
-              <a:t>2018/1/10</a:t>
+              <a:t>2018/2/8</a:t>
             </a:fld>
             <a:endParaRPr kumimoji="1" lang="ja-JP" altLang="en-US"/>
           </a:p>
@@ -3487,7 +3487,7 @@
           <a:p>
             <a:fld id="{E90ED720-0104-4369-84BC-D37694168613}" type="datetimeFigureOut">
               <a:rPr kumimoji="1" lang="ja-JP" altLang="en-US" smtClean="0"/>
-              <a:t>2018/1/10</a:t>
+              <a:t>2018/2/8</a:t>
             </a:fld>
             <a:endParaRPr kumimoji="1" lang="ja-JP" altLang="en-US"/>
           </a:p>
@@ -3732,7 +3732,7 @@
           <a:p>
             <a:fld id="{E90ED720-0104-4369-84BC-D37694168613}" type="datetimeFigureOut">
               <a:rPr kumimoji="1" lang="ja-JP" altLang="en-US" smtClean="0"/>
-              <a:t>2018/1/10</a:t>
+              <a:t>2018/2/8</a:t>
             </a:fld>
             <a:endParaRPr kumimoji="1" lang="ja-JP" altLang="en-US"/>
           </a:p>
@@ -7343,10 +7343,10 @@
         </p:nvGrpSpPr>
         <p:grpSpPr>
           <a:xfrm>
-            <a:off x="-9526" y="128504"/>
-            <a:ext cx="2251814" cy="3227225"/>
-            <a:chOff x="84232" y="2148844"/>
-            <a:chExt cx="2251814" cy="3227225"/>
+            <a:off x="-152400" y="128504"/>
+            <a:ext cx="2394688" cy="3227225"/>
+            <a:chOff x="-58642" y="2148844"/>
+            <a:chExt cx="2394688" cy="3227225"/>
           </a:xfrm>
         </p:grpSpPr>
         <p:sp>
@@ -9575,8 +9575,8 @@
           </p:nvSpPr>
           <p:spPr>
             <a:xfrm>
-              <a:off x="84232" y="2148844"/>
-              <a:ext cx="1228726" cy="307777"/>
+              <a:off x="-58642" y="2148844"/>
+              <a:ext cx="1666671" cy="307777"/>
             </a:xfrm>
             <a:prstGeom prst="rect">
               <a:avLst/>
@@ -9591,15 +9591,8 @@
             <a:p>
               <a:pPr algn="ctr"/>
               <a:r>
-                <a:rPr lang="en-US" altLang="ja-JP" sz="1400" dirty="0" smtClean="0">
-                  <a:ln w="12700">
-                    <a:noFill/>
-                    <a:prstDash val="solid"/>
-                  </a:ln>
-                  <a:ea typeface="Meiryo UI" panose="020B0604030504040204" pitchFamily="50" charset="-128"/>
-                  <a:cs typeface="Times New Roman" panose="02020603050405020304" pitchFamily="18" charset="0"/>
-                </a:rPr>
-                <a:t>Section </a:t>
+                <a:rPr lang="en-US" altLang="ja-JP" sz="1400" dirty="0" smtClean="0"/>
+                <a:t>Appendix</a:t>
               </a:r>
               <a:r>
                 <a:rPr lang="en-US" altLang="ja-JP" sz="1400" dirty="0" smtClean="0">
@@ -9610,7 +9603,7 @@
                   <a:ea typeface="Meiryo UI" panose="020B0604030504040204" pitchFamily="50" charset="-128"/>
                   <a:cs typeface="Times New Roman" panose="02020603050405020304" pitchFamily="18" charset="0"/>
                 </a:rPr>
-                <a:t>1.3.1</a:t>
+                <a:t> B.3.1</a:t>
               </a:r>
               <a:endParaRPr lang="ja-JP" altLang="en-US" sz="1400" dirty="0">
                 <a:ln w="12700">
@@ -9633,7 +9626,7 @@
         <p:spPr>
           <a:xfrm>
             <a:off x="2163059" y="-41461"/>
-            <a:ext cx="1189741" cy="307777"/>
+            <a:ext cx="1494541" cy="307777"/>
           </a:xfrm>
           <a:prstGeom prst="rect">
             <a:avLst/>
@@ -9648,6 +9641,21 @@
           <a:p>
             <a:pPr algn="ctr"/>
             <a:r>
+              <a:rPr lang="en-US" altLang="ja-JP" sz="1400" dirty="0"/>
+              <a:t>Appendix</a:t>
+            </a:r>
+            <a:r>
+              <a:rPr lang="en-US" altLang="ja-JP" sz="1400" dirty="0">
+                <a:ln w="12700">
+                  <a:noFill/>
+                  <a:prstDash val="solid"/>
+                </a:ln>
+                <a:ea typeface="Meiryo UI" panose="020B0604030504040204" pitchFamily="50" charset="-128"/>
+                <a:cs typeface="Times New Roman" panose="02020603050405020304" pitchFamily="18" charset="0"/>
+              </a:rPr>
+              <a:t> </a:t>
+            </a:r>
+            <a:r>
               <a:rPr lang="en-US" altLang="ja-JP" sz="1400" dirty="0" smtClean="0">
                 <a:ln w="12700">
                   <a:noFill/>
@@ -9656,18 +9664,7 @@
                 <a:ea typeface="Meiryo UI" panose="020B0604030504040204" pitchFamily="50" charset="-128"/>
                 <a:cs typeface="Times New Roman" panose="02020603050405020304" pitchFamily="18" charset="0"/>
               </a:rPr>
-              <a:t>Section </a:t>
-            </a:r>
-            <a:r>
-              <a:rPr lang="en-US" altLang="ja-JP" sz="1400" dirty="0" smtClean="0">
-                <a:ln w="12700">
-                  <a:noFill/>
-                  <a:prstDash val="solid"/>
-                </a:ln>
-                <a:ea typeface="Meiryo UI" panose="020B0604030504040204" pitchFamily="50" charset="-128"/>
-                <a:cs typeface="Times New Roman" panose="02020603050405020304" pitchFamily="18" charset="0"/>
-              </a:rPr>
-              <a:t>1.3.2</a:t>
+              <a:t>B.3.2</a:t>
             </a:r>
             <a:endParaRPr lang="ja-JP" altLang="en-US" sz="1400" dirty="0">
               <a:ln w="12700">
@@ -9688,8 +9685,8 @@
         </p:nvSpPr>
         <p:spPr>
           <a:xfrm>
-            <a:off x="6941765" y="629417"/>
-            <a:ext cx="1120900" cy="307777"/>
+            <a:off x="6941764" y="629417"/>
+            <a:ext cx="1317929" cy="307777"/>
           </a:xfrm>
           <a:prstGeom prst="rect">
             <a:avLst/>
@@ -9704,6 +9701,21 @@
           <a:p>
             <a:pPr algn="ctr"/>
             <a:r>
+              <a:rPr lang="en-US" altLang="ja-JP" sz="1400" dirty="0"/>
+              <a:t>Appendix</a:t>
+            </a:r>
+            <a:r>
+              <a:rPr lang="en-US" altLang="ja-JP" sz="1400" dirty="0">
+                <a:ln w="12700">
+                  <a:noFill/>
+                  <a:prstDash val="solid"/>
+                </a:ln>
+                <a:ea typeface="Meiryo UI" panose="020B0604030504040204" pitchFamily="50" charset="-128"/>
+                <a:cs typeface="Times New Roman" panose="02020603050405020304" pitchFamily="18" charset="0"/>
+              </a:rPr>
+              <a:t> </a:t>
+            </a:r>
+            <a:r>
               <a:rPr lang="en-US" altLang="ja-JP" sz="1400" dirty="0" smtClean="0">
                 <a:ln w="12700">
                   <a:noFill/>
@@ -9712,18 +9724,7 @@
                 <a:ea typeface="Meiryo UI" panose="020B0604030504040204" pitchFamily="50" charset="-128"/>
                 <a:cs typeface="Times New Roman" panose="02020603050405020304" pitchFamily="18" charset="0"/>
               </a:rPr>
-              <a:t>Section </a:t>
-            </a:r>
-            <a:r>
-              <a:rPr lang="en-US" altLang="ja-JP" sz="1400" dirty="0" smtClean="0">
-                <a:ln w="12700">
-                  <a:noFill/>
-                  <a:prstDash val="solid"/>
-                </a:ln>
-                <a:ea typeface="Meiryo UI" panose="020B0604030504040204" pitchFamily="50" charset="-128"/>
-                <a:cs typeface="Times New Roman" panose="02020603050405020304" pitchFamily="18" charset="0"/>
-              </a:rPr>
-              <a:t>1.3.3</a:t>
+              <a:t>B.3.3</a:t>
             </a:r>
             <a:endParaRPr lang="ja-JP" altLang="en-US" sz="1400" dirty="0">
               <a:ln w="12700">
